--- a/lectures/DeepQuestions.pptx
+++ b/lectures/DeepQuestions.pptx
@@ -7903,6 +7903,84 @@
           </a:prstGeom>
         </p:spPr>
       </p:pic>
+      <p:sp>
+        <p:nvSpPr>
+          <p:cNvPr id="2" name="TextBox 1">
+            <a:extLst>
+              <a:ext uri="{FF2B5EF4-FFF2-40B4-BE49-F238E27FC236}">
+                <a16:creationId xmlns:a16="http://schemas.microsoft.com/office/drawing/2014/main" id="{886E0730-F7C7-158B-AE80-DB4679D2F49F}"/>
+              </a:ext>
+            </a:extLst>
+          </p:cNvPr>
+          <p:cNvSpPr txBox="1"/>
+          <p:nvPr/>
+        </p:nvSpPr>
+        <p:spPr>
+          <a:xfrm>
+            <a:off x="2499357" y="2590800"/>
+            <a:ext cx="1310643" cy="646331"/>
+          </a:xfrm>
+          <a:prstGeom prst="rect">
+            <a:avLst/>
+          </a:prstGeom>
+          <a:noFill/>
+        </p:spPr>
+        <p:txBody>
+          <a:bodyPr wrap="square" rtlCol="0">
+            <a:spAutoFit/>
+          </a:bodyPr>
+          <a:lstStyle/>
+          <a:p>
+            <a:r>
+              <a:rPr lang="en-CA" dirty="0">
+                <a:solidFill>
+                  <a:schemeClr val="bg1"/>
+                </a:solidFill>
+              </a:rPr>
+              <a:t>Nellie the nurse shark</a:t>
+            </a:r>
+          </a:p>
+        </p:txBody>
+      </p:sp>
+      <p:sp>
+        <p:nvSpPr>
+          <p:cNvPr id="3" name="TextBox 2">
+            <a:extLst>
+              <a:ext uri="{FF2B5EF4-FFF2-40B4-BE49-F238E27FC236}">
+                <a16:creationId xmlns:a16="http://schemas.microsoft.com/office/drawing/2014/main" id="{9EB0B321-91C0-44A1-1A1D-1AB11F8FF102}"/>
+              </a:ext>
+            </a:extLst>
+          </p:cNvPr>
+          <p:cNvSpPr txBox="1"/>
+          <p:nvPr/>
+        </p:nvSpPr>
+        <p:spPr>
+          <a:xfrm>
+            <a:off x="5907646" y="4114800"/>
+            <a:ext cx="1598054" cy="369332"/>
+          </a:xfrm>
+          <a:prstGeom prst="rect">
+            <a:avLst/>
+          </a:prstGeom>
+          <a:noFill/>
+        </p:spPr>
+        <p:txBody>
+          <a:bodyPr wrap="square" rtlCol="0">
+            <a:spAutoFit/>
+          </a:bodyPr>
+          <a:lstStyle/>
+          <a:p>
+            <a:r>
+              <a:rPr lang="en-CA" dirty="0">
+                <a:solidFill>
+                  <a:schemeClr val="bg1"/>
+                </a:solidFill>
+              </a:rPr>
+              <a:t>Tommy turtle</a:t>
+            </a:r>
+          </a:p>
+        </p:txBody>
+      </p:sp>
     </p:spTree>
     <p:extLst>
       <p:ext uri="{BB962C8B-B14F-4D97-AF65-F5344CB8AC3E}">
